--- a/Presentation/Final/Presentation.pptx
+++ b/Presentation/Final/Presentation.pptx
@@ -258,7 +258,7 @@
           <a:p>
             <a:fld id="{18B3D463-2541-0549-9D77-9DE09589C688}" type="datetimeFigureOut">
               <a:rPr lang="en-US" smtClean="0"/>
-              <a:t>5/3/18</a:t>
+              <a:t>5/4/18</a:t>
             </a:fld>
             <a:endParaRPr lang="en-US"/>
           </a:p>
@@ -435,7 +435,7 @@
           <a:p>
             <a:fld id="{B5A31FD4-7C7C-1D4C-B75C-243FB7D72C68}" type="datetimeFigureOut">
               <a:rPr lang="en-US" smtClean="0"/>
-              <a:t>5/3/18</a:t>
+              <a:t>5/4/18</a:t>
             </a:fld>
             <a:endParaRPr lang="en-US"/>
           </a:p>
@@ -1586,7 +1586,111 @@
           <a:bodyPr/>
           <a:lstStyle/>
           <a:p>
+            <a:r>
+              <a:rPr lang="en-US" dirty="0"/>
+              <a:t>Three types of cell- (agents)</a:t>
+            </a:r>
+          </a:p>
+          <a:p>
             <a:endParaRPr lang="en-US" dirty="0"/>
+          </a:p>
+          <a:p>
+            <a:r>
+              <a:rPr lang="en-US" dirty="0"/>
+              <a:t>Static </a:t>
+            </a:r>
+            <a:r>
+              <a:rPr lang="en-US" dirty="0" err="1"/>
+              <a:t>LTo</a:t>
+            </a:r>
+            <a:endParaRPr lang="en-US" dirty="0"/>
+          </a:p>
+          <a:p>
+            <a:endParaRPr lang="en-US" dirty="0"/>
+          </a:p>
+          <a:p>
+            <a:r>
+              <a:rPr lang="en-US" dirty="0" err="1"/>
+              <a:t>LTi</a:t>
+            </a:r>
+            <a:r>
+              <a:rPr lang="en-US" dirty="0"/>
+              <a:t> + </a:t>
+            </a:r>
+            <a:r>
+              <a:rPr lang="en-US" dirty="0" err="1"/>
+              <a:t>LTin</a:t>
+            </a:r>
+            <a:r>
+              <a:rPr lang="en-US" dirty="0"/>
+              <a:t> begin migration in</a:t>
+            </a:r>
+          </a:p>
+          <a:p>
+            <a:endParaRPr lang="en-US" dirty="0"/>
+          </a:p>
+          <a:p>
+            <a:r>
+              <a:rPr lang="en-US" dirty="0" err="1"/>
+              <a:t>LTin</a:t>
+            </a:r>
+            <a:r>
+              <a:rPr lang="en-US" dirty="0"/>
+              <a:t> activates </a:t>
+            </a:r>
+            <a:r>
+              <a:rPr lang="en-US" dirty="0" err="1"/>
+              <a:t>LTo</a:t>
+            </a:r>
+            <a:endParaRPr lang="en-US" dirty="0"/>
+          </a:p>
+          <a:p>
+            <a:endParaRPr lang="en-US" dirty="0"/>
+          </a:p>
+          <a:p>
+            <a:r>
+              <a:rPr lang="en-US" dirty="0" err="1"/>
+              <a:t>LTo</a:t>
+            </a:r>
+            <a:r>
+              <a:rPr lang="en-US" dirty="0"/>
+              <a:t> emits chemokines- a chemical which the </a:t>
+            </a:r>
+            <a:r>
+              <a:rPr lang="en-US" dirty="0" err="1"/>
+              <a:t>LTi</a:t>
+            </a:r>
+            <a:r>
+              <a:rPr lang="en-US" dirty="0"/>
+              <a:t> responds to</a:t>
+            </a:r>
+          </a:p>
+          <a:p>
+            <a:endParaRPr lang="en-US" dirty="0"/>
+          </a:p>
+          <a:p>
+            <a:r>
+              <a:rPr lang="en-US" dirty="0" err="1"/>
+              <a:t>LTi</a:t>
+            </a:r>
+            <a:r>
+              <a:rPr lang="en-US" dirty="0"/>
+              <a:t> begin to move towards </a:t>
+            </a:r>
+            <a:r>
+              <a:rPr lang="en-US" dirty="0" err="1"/>
+              <a:t>LTo</a:t>
+            </a:r>
+            <a:endParaRPr lang="en-US" dirty="0"/>
+          </a:p>
+          <a:p>
+            <a:endParaRPr lang="en-US" dirty="0"/>
+          </a:p>
+          <a:p>
+            <a:r>
+              <a:rPr lang="en-US" dirty="0"/>
+              <a:t>Patch is formed!</a:t>
+            </a:r>
           </a:p>
         </p:txBody>
       </p:sp>
@@ -2276,7 +2380,77 @@
               <a:rPr lang="en-US" i="0" dirty="0"/>
               <a:t> Domain + Platform Models</a:t>
             </a:r>
-            <a:endParaRPr lang="en-US" dirty="0"/>
+          </a:p>
+          <a:p>
+            <a:pPr marL="0" marR="0" lvl="0" indent="0" algn="l" defTabSz="914400" rtl="0" eaLnBrk="1" fontAlgn="auto" latinLnBrk="0" hangingPunct="1">
+              <a:lnSpc>
+                <a:spcPct val="100000"/>
+              </a:lnSpc>
+              <a:spcBef>
+                <a:spcPts val="0"/>
+              </a:spcBef>
+              <a:spcAft>
+                <a:spcPts val="0"/>
+              </a:spcAft>
+              <a:buClrTx/>
+              <a:buSzTx/>
+              <a:buFontTx/>
+              <a:buNone/>
+              <a:tabLst/>
+              <a:defRPr/>
+            </a:pPr>
+            <a:r>
+              <a:rPr lang="en-US" i="0" dirty="0"/>
+              <a:t>Talk through </a:t>
+            </a:r>
+            <a:r>
+              <a:rPr lang="en-US" i="0" dirty="0" err="1"/>
+              <a:t>CoSMoS</a:t>
+            </a:r>
+            <a:endParaRPr lang="en-US" i="0" dirty="0"/>
+          </a:p>
+          <a:p>
+            <a:pPr marL="0" marR="0" lvl="0" indent="0" algn="l" defTabSz="914400" rtl="0" eaLnBrk="1" fontAlgn="auto" latinLnBrk="0" hangingPunct="1">
+              <a:lnSpc>
+                <a:spcPct val="100000"/>
+              </a:lnSpc>
+              <a:spcBef>
+                <a:spcPts val="0"/>
+              </a:spcBef>
+              <a:spcAft>
+                <a:spcPts val="0"/>
+              </a:spcAft>
+              <a:buClrTx/>
+              <a:buSzTx/>
+              <a:buFontTx/>
+              <a:buNone/>
+              <a:tabLst/>
+              <a:defRPr/>
+            </a:pPr>
+            <a:endParaRPr lang="en-US" i="0" dirty="0"/>
+          </a:p>
+          <a:p>
+            <a:pPr marL="0" marR="0" lvl="0" indent="0" algn="l" defTabSz="914400" rtl="0" eaLnBrk="1" fontAlgn="auto" latinLnBrk="0" hangingPunct="1">
+              <a:lnSpc>
+                <a:spcPct val="100000"/>
+              </a:lnSpc>
+              <a:spcBef>
+                <a:spcPts val="0"/>
+              </a:spcBef>
+              <a:spcAft>
+                <a:spcPts val="0"/>
+              </a:spcAft>
+              <a:buClrTx/>
+              <a:buSzTx/>
+              <a:buFontTx/>
+              <a:buNone/>
+              <a:tabLst/>
+              <a:defRPr/>
+            </a:pPr>
+            <a:r>
+              <a:rPr lang="en-US" i="0" dirty="0"/>
+              <a:t>This project I attempted to begin development on tools which autogenerate the simulation platform</a:t>
+            </a:r>
           </a:p>
         </p:txBody>
       </p:sp>
@@ -7159,6 +7333,251 @@
           </a:p>
         </p:txBody>
       </p:sp>
+      <p:pic>
+        <p:nvPicPr>
+          <p:cNvPr id="3" name="Picture 2">
+            <a:extLst>
+              <a:ext uri="{FF2B5EF4-FFF2-40B4-BE49-F238E27FC236}">
+                <a16:creationId xmlns:a16="http://schemas.microsoft.com/office/drawing/2014/main" id="{48C74E32-E7AC-3240-B52C-3F10CCCF92C4}"/>
+              </a:ext>
+            </a:extLst>
+          </p:cNvPr>
+          <p:cNvPicPr>
+            <a:picLocks noChangeAspect="1"/>
+          </p:cNvPicPr>
+          <p:nvPr/>
+        </p:nvPicPr>
+        <p:blipFill>
+          <a:blip r:embed="rId4"/>
+          <a:stretch>
+            <a:fillRect/>
+          </a:stretch>
+        </p:blipFill>
+        <p:spPr>
+          <a:xfrm>
+            <a:off x="-496709" y="2309151"/>
+            <a:ext cx="3669676" cy="2083190"/>
+          </a:xfrm>
+          <a:prstGeom prst="rect">
+            <a:avLst/>
+          </a:prstGeom>
+        </p:spPr>
+      </p:pic>
+      <p:sp>
+        <p:nvSpPr>
+          <p:cNvPr id="7" name="Text Placeholder 4">
+            <a:extLst>
+              <a:ext uri="{FF2B5EF4-FFF2-40B4-BE49-F238E27FC236}">
+                <a16:creationId xmlns:a16="http://schemas.microsoft.com/office/drawing/2014/main" id="{9A851E8F-A882-6943-8B19-811D06D267C8}"/>
+              </a:ext>
+            </a:extLst>
+          </p:cNvPr>
+          <p:cNvSpPr txBox="1">
+            <a:spLocks/>
+          </p:cNvSpPr>
+          <p:nvPr/>
+        </p:nvSpPr>
+        <p:spPr>
+          <a:xfrm>
+            <a:off x="2276856" y="2828681"/>
+            <a:ext cx="1024128" cy="636461"/>
+          </a:xfrm>
+          <a:prstGeom prst="rect">
+            <a:avLst/>
+          </a:prstGeom>
+        </p:spPr>
+        <p:txBody>
+          <a:bodyPr vert="horz" wrap="square" lIns="81666" tIns="40833" rIns="81666" bIns="40833" rtlCol="0">
+            <a:spAutoFit/>
+          </a:bodyPr>
+          <a:lstStyle>
+            <a:lvl1pPr marL="0" indent="-266859" algn="l" defTabSz="408331" rtl="0" eaLnBrk="1" latinLnBrk="0" hangingPunct="1">
+              <a:spcBef>
+                <a:spcPct val="20000"/>
+              </a:spcBef>
+              <a:buSzPct val="80000"/>
+              <a:buFont typeface="Wingdings" charset="2"/>
+              <a:buChar char="§"/>
+              <a:defRPr sz="2000" kern="1200" cap="none" baseline="0">
+                <a:solidFill>
+                  <a:srgbClr val="25303B"/>
+                </a:solidFill>
+                <a:latin typeface="+mn-lt"/>
+                <a:ea typeface="+mn-ea"/>
+                <a:cs typeface="+mn-cs"/>
+              </a:defRPr>
+            </a:lvl1pPr>
+            <a:lvl2pPr marL="663538" indent="-255207" algn="l" defTabSz="408331" rtl="0" eaLnBrk="1" latinLnBrk="0" hangingPunct="1">
+              <a:spcBef>
+                <a:spcPct val="20000"/>
+              </a:spcBef>
+              <a:buFont typeface="Arial"/>
+              <a:buChar char="–"/>
+              <a:defRPr sz="2000" kern="1200">
+                <a:solidFill>
+                  <a:schemeClr val="tx1"/>
+                </a:solidFill>
+                <a:latin typeface="+mn-lt"/>
+                <a:ea typeface="+mn-ea"/>
+                <a:cs typeface="+mn-cs"/>
+              </a:defRPr>
+            </a:lvl2pPr>
+            <a:lvl3pPr marL="1020827" indent="-204166" algn="l" defTabSz="408331" rtl="0" eaLnBrk="1" latinLnBrk="0" hangingPunct="1">
+              <a:spcBef>
+                <a:spcPct val="20000"/>
+              </a:spcBef>
+              <a:buFont typeface="Arial"/>
+              <a:buChar char="•"/>
+              <a:defRPr sz="1800" kern="1200" baseline="0">
+                <a:solidFill>
+                  <a:schemeClr val="tx1"/>
+                </a:solidFill>
+                <a:latin typeface="+mn-lt"/>
+                <a:ea typeface="+mn-ea"/>
+                <a:cs typeface="+mn-cs"/>
+              </a:defRPr>
+            </a:lvl3pPr>
+            <a:lvl4pPr marL="1429158" indent="-204166" algn="l" defTabSz="408331" rtl="0" eaLnBrk="1" latinLnBrk="0" hangingPunct="1">
+              <a:spcBef>
+                <a:spcPct val="20000"/>
+              </a:spcBef>
+              <a:buFont typeface="Arial"/>
+              <a:buChar char="–"/>
+              <a:defRPr sz="1800" kern="1200">
+                <a:solidFill>
+                  <a:schemeClr val="tx1"/>
+                </a:solidFill>
+                <a:latin typeface="+mn-lt"/>
+                <a:ea typeface="+mn-ea"/>
+                <a:cs typeface="+mn-cs"/>
+              </a:defRPr>
+            </a:lvl4pPr>
+            <a:lvl5pPr marL="1837489" indent="-204166" algn="l" defTabSz="408331" rtl="0" eaLnBrk="1" latinLnBrk="0" hangingPunct="1">
+              <a:spcBef>
+                <a:spcPct val="20000"/>
+              </a:spcBef>
+              <a:buFont typeface="Arial"/>
+              <a:buChar char="»"/>
+              <a:defRPr sz="1800" kern="1200">
+                <a:solidFill>
+                  <a:schemeClr val="tx1"/>
+                </a:solidFill>
+                <a:latin typeface="+mn-lt"/>
+                <a:ea typeface="+mn-ea"/>
+                <a:cs typeface="+mn-cs"/>
+              </a:defRPr>
+            </a:lvl5pPr>
+            <a:lvl6pPr marL="2245819" indent="-204166" algn="l" defTabSz="408331" rtl="0" eaLnBrk="1" latinLnBrk="0" hangingPunct="1">
+              <a:spcBef>
+                <a:spcPct val="20000"/>
+              </a:spcBef>
+              <a:buFont typeface="Arial"/>
+              <a:buChar char="•"/>
+              <a:defRPr sz="1800" kern="1200">
+                <a:solidFill>
+                  <a:schemeClr val="tx1"/>
+                </a:solidFill>
+                <a:latin typeface="+mn-lt"/>
+                <a:ea typeface="+mn-ea"/>
+                <a:cs typeface="+mn-cs"/>
+              </a:defRPr>
+            </a:lvl6pPr>
+            <a:lvl7pPr marL="2654150" indent="-204166" algn="l" defTabSz="408331" rtl="0" eaLnBrk="1" latinLnBrk="0" hangingPunct="1">
+              <a:spcBef>
+                <a:spcPct val="20000"/>
+              </a:spcBef>
+              <a:buFont typeface="Arial"/>
+              <a:buChar char="•"/>
+              <a:defRPr sz="1800" kern="1200">
+                <a:solidFill>
+                  <a:schemeClr val="tx1"/>
+                </a:solidFill>
+                <a:latin typeface="+mn-lt"/>
+                <a:ea typeface="+mn-ea"/>
+                <a:cs typeface="+mn-cs"/>
+              </a:defRPr>
+            </a:lvl7pPr>
+            <a:lvl8pPr marL="3062481" indent="-204166" algn="l" defTabSz="408331" rtl="0" eaLnBrk="1" latinLnBrk="0" hangingPunct="1">
+              <a:spcBef>
+                <a:spcPct val="20000"/>
+              </a:spcBef>
+              <a:buFont typeface="Arial"/>
+              <a:buChar char="•"/>
+              <a:defRPr sz="1800" kern="1200">
+                <a:solidFill>
+                  <a:schemeClr val="tx1"/>
+                </a:solidFill>
+                <a:latin typeface="+mn-lt"/>
+                <a:ea typeface="+mn-ea"/>
+                <a:cs typeface="+mn-cs"/>
+              </a:defRPr>
+            </a:lvl8pPr>
+            <a:lvl9pPr marL="3470812" indent="-204166" algn="l" defTabSz="408331" rtl="0" eaLnBrk="1" latinLnBrk="0" hangingPunct="1">
+              <a:spcBef>
+                <a:spcPct val="20000"/>
+              </a:spcBef>
+              <a:buFont typeface="Arial"/>
+              <a:buChar char="•"/>
+              <a:defRPr sz="1800" kern="1200">
+                <a:solidFill>
+                  <a:schemeClr val="tx1"/>
+                </a:solidFill>
+                <a:latin typeface="+mn-lt"/>
+                <a:ea typeface="+mn-ea"/>
+                <a:cs typeface="+mn-cs"/>
+              </a:defRPr>
+            </a:lvl9pPr>
+          </a:lstStyle>
+          <a:p>
+            <a:pPr indent="0" algn="ctr">
+              <a:buNone/>
+            </a:pPr>
+            <a:r>
+              <a:rPr lang="en-US" sz="3600" b="1" dirty="0"/>
+              <a:t>+</a:t>
+            </a:r>
+          </a:p>
+        </p:txBody>
+      </p:sp>
+      <p:sp>
+        <p:nvSpPr>
+          <p:cNvPr id="4" name="TextBox 3">
+            <a:extLst>
+              <a:ext uri="{FF2B5EF4-FFF2-40B4-BE49-F238E27FC236}">
+                <a16:creationId xmlns:a16="http://schemas.microsoft.com/office/drawing/2014/main" id="{D3CD84E5-8324-704F-A09B-C9C7C379E106}"/>
+              </a:ext>
+            </a:extLst>
+          </p:cNvPr>
+          <p:cNvSpPr txBox="1"/>
+          <p:nvPr/>
+        </p:nvSpPr>
+        <p:spPr>
+          <a:xfrm>
+            <a:off x="7723675" y="2757151"/>
+            <a:ext cx="1420325" cy="338554"/>
+          </a:xfrm>
+          <a:prstGeom prst="rect">
+            <a:avLst/>
+          </a:prstGeom>
+          <a:noFill/>
+        </p:spPr>
+        <p:txBody>
+          <a:bodyPr wrap="none" rtlCol="0">
+            <a:spAutoFit/>
+          </a:bodyPr>
+          <a:lstStyle/>
+          <a:p>
+            <a:r>
+              <a:rPr lang="en-US" b="1" dirty="0">
+                <a:solidFill>
+                  <a:schemeClr val="accent2"/>
+                </a:solidFill>
+              </a:rPr>
+              <a:t>autogenerate?</a:t>
+            </a:r>
+          </a:p>
+        </p:txBody>
+      </p:sp>
     </p:spTree>
     <p:extLst>
       <p:ext uri="{BB962C8B-B14F-4D97-AF65-F5344CB8AC3E}">
@@ -7181,9 +7600,6 @@
                     <p:cTn id="3" fill="hold">
                       <p:stCondLst>
                         <p:cond delay="indefinite"/>
-                        <p:cond evt="onBegin" delay="0">
-                          <p:tn val="2"/>
-                        </p:cond>
                       </p:stCondLst>
                       <p:childTnLst>
                         <p:par>
@@ -7193,7 +7609,7 @@
                             </p:stCondLst>
                             <p:childTnLst>
                               <p:par>
-                                <p:cTn id="5" presetID="10" presetClass="entr" presetSubtype="0" fill="hold" grpId="0" nodeType="withEffect">
+                                <p:cTn id="5" presetID="10" presetClass="entr" presetSubtype="0" fill="hold" grpId="1" nodeType="clickEffect">
                                   <p:stCondLst>
                                     <p:cond delay="0"/>
                                   </p:stCondLst>
@@ -7206,7 +7622,7 @@
                                           </p:stCondLst>
                                         </p:cTn>
                                         <p:tgtEl>
-                                          <p:spTgt spid="26">
+                                          <p:spTgt spid="7">
                                             <p:txEl>
                                               <p:pRg st="0" end="0"/>
                                             </p:txEl>
@@ -7224,7 +7640,7 @@
                                       <p:cBhvr>
                                         <p:cTn id="7" dur="500"/>
                                         <p:tgtEl>
-                                          <p:spTgt spid="26">
+                                          <p:spTgt spid="7">
                                             <p:txEl>
                                               <p:pRg st="0" end="0"/>
                                             </p:txEl>
@@ -7235,43 +7651,21 @@
                                   </p:childTnLst>
                                 </p:cTn>
                               </p:par>
-                            </p:childTnLst>
-                          </p:cTn>
-                        </p:par>
-                      </p:childTnLst>
-                    </p:cTn>
-                  </p:par>
-                  <p:par>
-                    <p:cTn id="8" fill="hold">
-                      <p:stCondLst>
-                        <p:cond delay="indefinite"/>
-                      </p:stCondLst>
-                      <p:childTnLst>
-                        <p:par>
-                          <p:cTn id="9" fill="hold">
-                            <p:stCondLst>
-                              <p:cond delay="0"/>
-                            </p:stCondLst>
-                            <p:childTnLst>
                               <p:par>
-                                <p:cTn id="10" presetID="10" presetClass="entr" presetSubtype="0" fill="hold" grpId="0" nodeType="clickEffect">
+                                <p:cTn id="8" presetID="10" presetClass="entr" presetSubtype="0" fill="hold" nodeType="withEffect">
                                   <p:stCondLst>
                                     <p:cond delay="0"/>
                                   </p:stCondLst>
                                   <p:childTnLst>
                                     <p:set>
                                       <p:cBhvr>
-                                        <p:cTn id="11" dur="1" fill="hold">
+                                        <p:cTn id="9" dur="1" fill="hold">
                                           <p:stCondLst>
                                             <p:cond delay="0"/>
                                           </p:stCondLst>
                                         </p:cTn>
                                         <p:tgtEl>
-                                          <p:spTgt spid="27">
-                                            <p:txEl>
-                                              <p:pRg st="0" end="0"/>
-                                            </p:txEl>
-                                          </p:spTgt>
+                                          <p:spTgt spid="3"/>
                                         </p:tgtEl>
                                         <p:attrNameLst>
                                           <p:attrName>style.visibility</p:attrName>
@@ -7283,13 +7677,44 @@
                                     </p:set>
                                     <p:animEffect transition="in" filter="fade">
                                       <p:cBhvr>
-                                        <p:cTn id="12" dur="500"/>
+                                        <p:cTn id="10" dur="500"/>
                                         <p:tgtEl>
-                                          <p:spTgt spid="27">
-                                            <p:txEl>
-                                              <p:pRg st="0" end="0"/>
-                                            </p:txEl>
-                                          </p:spTgt>
+                                          <p:spTgt spid="3"/>
+                                        </p:tgtEl>
+                                      </p:cBhvr>
+                                    </p:animEffect>
+                                  </p:childTnLst>
+                                </p:cTn>
+                              </p:par>
+                              <p:par>
+                                <p:cTn id="11" presetID="10" presetClass="entr" presetSubtype="0" fill="hold" grpId="0" nodeType="withEffect">
+                                  <p:stCondLst>
+                                    <p:cond delay="0"/>
+                                  </p:stCondLst>
+                                  <p:childTnLst>
+                                    <p:set>
+                                      <p:cBhvr>
+                                        <p:cTn id="12" dur="1" fill="hold">
+                                          <p:stCondLst>
+                                            <p:cond delay="0"/>
+                                          </p:stCondLst>
+                                        </p:cTn>
+                                        <p:tgtEl>
+                                          <p:spTgt spid="4"/>
+                                        </p:tgtEl>
+                                        <p:attrNameLst>
+                                          <p:attrName>style.visibility</p:attrName>
+                                        </p:attrNameLst>
+                                      </p:cBhvr>
+                                      <p:to>
+                                        <p:strVal val="visible"/>
+                                      </p:to>
+                                    </p:set>
+                                    <p:animEffect transition="in" filter="fade">
+                                      <p:cBhvr>
+                                        <p:cTn id="13" dur="500"/>
+                                        <p:tgtEl>
+                                          <p:spTgt spid="4"/>
                                         </p:tgtEl>
                                       </p:cBhvr>
                                     </p:animEffect>
@@ -7324,8 +7749,8 @@
       </p:par>
     </p:tnLst>
     <p:bldLst>
-      <p:bldP spid="26" grpId="0" build="p"/>
-      <p:bldP spid="27" grpId="0" build="p"/>
+      <p:bldP spid="7" grpId="1" build="allAtOnce"/>
+      <p:bldP spid="4" grpId="0"/>
     </p:bldLst>
   </p:timing>
 </p:sld>
@@ -8319,6 +8744,50 @@
           </a:p>
         </p:txBody>
       </p:sp>
+      <p:pic>
+        <p:nvPicPr>
+          <p:cNvPr id="4" name="Picture 3">
+            <a:extLst>
+              <a:ext uri="{FF2B5EF4-FFF2-40B4-BE49-F238E27FC236}">
+                <a16:creationId xmlns:a16="http://schemas.microsoft.com/office/drawing/2014/main" id="{30878745-F416-0C4A-99AF-943FF9ED2525}"/>
+              </a:ext>
+            </a:extLst>
+          </p:cNvPr>
+          <p:cNvPicPr>
+            <a:picLocks noChangeAspect="1"/>
+          </p:cNvPicPr>
+          <p:nvPr/>
+        </p:nvPicPr>
+        <p:blipFill>
+          <a:blip r:embed="rId3"/>
+          <a:stretch>
+            <a:fillRect/>
+          </a:stretch>
+        </p:blipFill>
+        <p:spPr>
+          <a:xfrm>
+            <a:off x="3639930" y="1199693"/>
+            <a:ext cx="5397999" cy="1457460"/>
+          </a:xfrm>
+          <a:prstGeom prst="rect">
+            <a:avLst/>
+          </a:prstGeom>
+          <a:ln w="38100" cap="sq">
+            <a:solidFill>
+              <a:srgbClr val="000000"/>
+            </a:solidFill>
+            <a:prstDash val="solid"/>
+            <a:miter lim="800000"/>
+          </a:ln>
+          <a:effectLst>
+            <a:outerShdw blurRad="50800" dist="38100" dir="2700000" algn="tl" rotWithShape="0">
+              <a:srgbClr val="000000">
+                <a:alpha val="43000"/>
+              </a:srgbClr>
+            </a:outerShdw>
+          </a:effectLst>
+        </p:spPr>
+      </p:pic>
     </p:spTree>
     <p:extLst>
       <p:ext uri="{BB962C8B-B14F-4D97-AF65-F5344CB8AC3E}">
@@ -8454,7 +8923,7 @@
                             </p:stCondLst>
                             <p:childTnLst>
                               <p:par>
-                                <p:cTn id="13" presetID="10" presetClass="entr" presetSubtype="0" fill="hold" grpId="0" nodeType="clickEffect">
+                                <p:cTn id="13" presetID="10" presetClass="entr" presetSubtype="0" fill="hold" nodeType="clickEffect">
                                   <p:stCondLst>
                                     <p:cond delay="0"/>
                                   </p:stCondLst>
@@ -8462,6 +8931,59 @@
                                     <p:set>
                                       <p:cBhvr>
                                         <p:cTn id="14" dur="1" fill="hold">
+                                          <p:stCondLst>
+                                            <p:cond delay="0"/>
+                                          </p:stCondLst>
+                                        </p:cTn>
+                                        <p:tgtEl>
+                                          <p:spTgt spid="4"/>
+                                        </p:tgtEl>
+                                        <p:attrNameLst>
+                                          <p:attrName>style.visibility</p:attrName>
+                                        </p:attrNameLst>
+                                      </p:cBhvr>
+                                      <p:to>
+                                        <p:strVal val="visible"/>
+                                      </p:to>
+                                    </p:set>
+                                    <p:animEffect transition="in" filter="fade">
+                                      <p:cBhvr>
+                                        <p:cTn id="15" dur="500"/>
+                                        <p:tgtEl>
+                                          <p:spTgt spid="4"/>
+                                        </p:tgtEl>
+                                      </p:cBhvr>
+                                    </p:animEffect>
+                                  </p:childTnLst>
+                                </p:cTn>
+                              </p:par>
+                            </p:childTnLst>
+                          </p:cTn>
+                        </p:par>
+                      </p:childTnLst>
+                    </p:cTn>
+                  </p:par>
+                  <p:par>
+                    <p:cTn id="16" fill="hold">
+                      <p:stCondLst>
+                        <p:cond delay="indefinite"/>
+                      </p:stCondLst>
+                      <p:childTnLst>
+                        <p:par>
+                          <p:cTn id="17" fill="hold">
+                            <p:stCondLst>
+                              <p:cond delay="0"/>
+                            </p:stCondLst>
+                            <p:childTnLst>
+                              <p:par>
+                                <p:cTn id="18" presetID="10" presetClass="entr" presetSubtype="0" fill="hold" grpId="0" nodeType="clickEffect">
+                                  <p:stCondLst>
+                                    <p:cond delay="0"/>
+                                  </p:stCondLst>
+                                  <p:childTnLst>
+                                    <p:set>
+                                      <p:cBhvr>
+                                        <p:cTn id="19" dur="1" fill="hold">
                                           <p:stCondLst>
                                             <p:cond delay="0"/>
                                           </p:stCondLst>
@@ -8483,7 +9005,7 @@
                                     </p:set>
                                     <p:animEffect transition="in" filter="fade">
                                       <p:cBhvr>
-                                        <p:cTn id="15" dur="500"/>
+                                        <p:cTn id="20" dur="500"/>
                                         <p:tgtEl>
                                           <p:spTgt spid="5">
                                             <p:txEl>
@@ -8497,14 +9019,14 @@
                                 </p:cTn>
                               </p:par>
                               <p:par>
-                                <p:cTn id="16" presetID="10" presetClass="entr" presetSubtype="0" fill="hold" grpId="0" nodeType="withEffect">
+                                <p:cTn id="21" presetID="10" presetClass="entr" presetSubtype="0" fill="hold" grpId="0" nodeType="withEffect">
                                   <p:stCondLst>
                                     <p:cond delay="0"/>
                                   </p:stCondLst>
                                   <p:childTnLst>
                                     <p:set>
                                       <p:cBhvr>
-                                        <p:cTn id="17" dur="1" fill="hold">
+                                        <p:cTn id="22" dur="1" fill="hold">
                                           <p:stCondLst>
                                             <p:cond delay="0"/>
                                           </p:stCondLst>
@@ -8526,7 +9048,7 @@
                                     </p:set>
                                     <p:animEffect transition="in" filter="fade">
                                       <p:cBhvr>
-                                        <p:cTn id="18" dur="500"/>
+                                        <p:cTn id="23" dur="500"/>
                                         <p:tgtEl>
                                           <p:spTgt spid="5">
                                             <p:txEl>
@@ -8540,14 +9062,14 @@
                                 </p:cTn>
                               </p:par>
                               <p:par>
-                                <p:cTn id="19" presetID="10" presetClass="entr" presetSubtype="0" fill="hold" grpId="0" nodeType="withEffect">
+                                <p:cTn id="24" presetID="10" presetClass="entr" presetSubtype="0" fill="hold" grpId="0" nodeType="withEffect">
                                   <p:stCondLst>
                                     <p:cond delay="0"/>
                                   </p:stCondLst>
                                   <p:childTnLst>
                                     <p:set>
                                       <p:cBhvr>
-                                        <p:cTn id="20" dur="1" fill="hold">
+                                        <p:cTn id="25" dur="1" fill="hold">
                                           <p:stCondLst>
                                             <p:cond delay="0"/>
                                           </p:stCondLst>
@@ -8569,7 +9091,7 @@
                                     </p:set>
                                     <p:animEffect transition="in" filter="fade">
                                       <p:cBhvr>
-                                        <p:cTn id="21" dur="500"/>
+                                        <p:cTn id="26" dur="500"/>
                                         <p:tgtEl>
                                           <p:spTgt spid="5">
                                             <p:txEl>
@@ -8589,26 +9111,26 @@
                     </p:cTn>
                   </p:par>
                   <p:par>
-                    <p:cTn id="22" fill="hold">
+                    <p:cTn id="27" fill="hold">
                       <p:stCondLst>
                         <p:cond delay="indefinite"/>
                       </p:stCondLst>
                       <p:childTnLst>
                         <p:par>
-                          <p:cTn id="23" fill="hold">
+                          <p:cTn id="28" fill="hold">
                             <p:stCondLst>
                               <p:cond delay="0"/>
                             </p:stCondLst>
                             <p:childTnLst>
                               <p:par>
-                                <p:cTn id="24" presetID="10" presetClass="entr" presetSubtype="0" fill="hold" grpId="0" nodeType="clickEffect">
+                                <p:cTn id="29" presetID="10" presetClass="entr" presetSubtype="0" fill="hold" grpId="0" nodeType="clickEffect">
                                   <p:stCondLst>
                                     <p:cond delay="0"/>
                                   </p:stCondLst>
                                   <p:childTnLst>
                                     <p:set>
                                       <p:cBhvr>
-                                        <p:cTn id="25" dur="1" fill="hold">
+                                        <p:cTn id="30" dur="1" fill="hold">
                                           <p:stCondLst>
                                             <p:cond delay="0"/>
                                           </p:stCondLst>
@@ -8630,7 +9152,7 @@
                                     </p:set>
                                     <p:animEffect transition="in" filter="fade">
                                       <p:cBhvr>
-                                        <p:cTn id="26" dur="500"/>
+                                        <p:cTn id="31" dur="500"/>
                                         <p:tgtEl>
                                           <p:spTgt spid="5">
                                             <p:txEl>
@@ -8671,7 +9193,7 @@
       </p:par>
     </p:tnLst>
     <p:bldLst>
-      <p:bldP spid="5" grpId="0" build="p"/>
+      <p:bldP spid="5" grpId="0" uiExpand="1" build="p"/>
     </p:bldLst>
   </p:timing>
 </p:sld>
@@ -13485,6 +14007,91 @@
           </a:p>
         </p:txBody>
       </p:sp>
+      <p:sp>
+        <p:nvSpPr>
+          <p:cNvPr id="2" name="TextBox 1">
+            <a:extLst>
+              <a:ext uri="{FF2B5EF4-FFF2-40B4-BE49-F238E27FC236}">
+                <a16:creationId xmlns:a16="http://schemas.microsoft.com/office/drawing/2014/main" id="{4876F584-4B50-B942-BEDB-DE5E6F412BC2}"/>
+              </a:ext>
+            </a:extLst>
+          </p:cNvPr>
+          <p:cNvSpPr txBox="1"/>
+          <p:nvPr/>
+        </p:nvSpPr>
+        <p:spPr>
+          <a:xfrm>
+            <a:off x="4199670" y="3335731"/>
+            <a:ext cx="979051" cy="338554"/>
+          </a:xfrm>
+          <a:prstGeom prst="rect">
+            <a:avLst/>
+          </a:prstGeom>
+          <a:noFill/>
+        </p:spPr>
+        <p:txBody>
+          <a:bodyPr wrap="none" rtlCol="0">
+            <a:spAutoFit/>
+          </a:bodyPr>
+          <a:lstStyle/>
+          <a:p>
+            <a:pPr algn="ctr"/>
+            <a:r>
+              <a:rPr lang="en-US" b="1" dirty="0">
+                <a:solidFill>
+                  <a:schemeClr val="accent1"/>
+                </a:solidFill>
+              </a:rPr>
+              <a:t>Structure</a:t>
+            </a:r>
+          </a:p>
+        </p:txBody>
+      </p:sp>
+      <p:sp>
+        <p:nvSpPr>
+          <p:cNvPr id="9" name="TextBox 8">
+            <a:extLst>
+              <a:ext uri="{FF2B5EF4-FFF2-40B4-BE49-F238E27FC236}">
+                <a16:creationId xmlns:a16="http://schemas.microsoft.com/office/drawing/2014/main" id="{81D2D013-7FA3-734B-8858-69FE1373FAEC}"/>
+              </a:ext>
+            </a:extLst>
+          </p:cNvPr>
+          <p:cNvSpPr txBox="1"/>
+          <p:nvPr/>
+        </p:nvSpPr>
+        <p:spPr>
+          <a:xfrm>
+            <a:off x="6576519" y="1380428"/>
+            <a:ext cx="1053815" cy="338554"/>
+          </a:xfrm>
+          <a:prstGeom prst="rect">
+            <a:avLst/>
+          </a:prstGeom>
+          <a:noFill/>
+        </p:spPr>
+        <p:txBody>
+          <a:bodyPr wrap="none" rtlCol="0">
+            <a:spAutoFit/>
+          </a:bodyPr>
+          <a:lstStyle/>
+          <a:p>
+            <a:pPr algn="ctr"/>
+            <a:r>
+              <a:rPr lang="en-US" b="1" dirty="0" err="1">
+                <a:solidFill>
+                  <a:schemeClr val="accent1"/>
+                </a:solidFill>
+              </a:rPr>
+              <a:t>Behaviour</a:t>
+            </a:r>
+            <a:endParaRPr lang="en-US" b="1" dirty="0">
+              <a:solidFill>
+                <a:schemeClr val="accent1"/>
+              </a:solidFill>
+            </a:endParaRPr>
+          </a:p>
+        </p:txBody>
+      </p:sp>
     </p:spTree>
     <p:extLst>
       <p:ext uri="{BB962C8B-B14F-4D97-AF65-F5344CB8AC3E}">
@@ -13811,6 +14418,76 @@
                                   </p:childTnLst>
                                 </p:cTn>
                               </p:par>
+                              <p:par>
+                                <p:cTn id="29" presetID="10" presetClass="entr" presetSubtype="0" fill="hold" grpId="0" nodeType="withEffect">
+                                  <p:stCondLst>
+                                    <p:cond delay="0"/>
+                                  </p:stCondLst>
+                                  <p:childTnLst>
+                                    <p:set>
+                                      <p:cBhvr>
+                                        <p:cTn id="30" dur="1" fill="hold">
+                                          <p:stCondLst>
+                                            <p:cond delay="0"/>
+                                          </p:stCondLst>
+                                        </p:cTn>
+                                        <p:tgtEl>
+                                          <p:spTgt spid="9"/>
+                                        </p:tgtEl>
+                                        <p:attrNameLst>
+                                          <p:attrName>style.visibility</p:attrName>
+                                        </p:attrNameLst>
+                                      </p:cBhvr>
+                                      <p:to>
+                                        <p:strVal val="visible"/>
+                                      </p:to>
+                                    </p:set>
+                                    <p:animEffect transition="in" filter="fade">
+                                      <p:cBhvr>
+                                        <p:cTn id="31" dur="500"/>
+                                        <p:tgtEl>
+                                          <p:spTgt spid="9"/>
+                                        </p:tgtEl>
+                                      </p:cBhvr>
+                                    </p:animEffect>
+                                  </p:childTnLst>
+                                </p:cTn>
+                              </p:par>
+                              <p:par>
+                                <p:cTn id="32" presetID="10" presetClass="entr" presetSubtype="0" fill="hold" grpId="0" nodeType="withEffect">
+                                  <p:stCondLst>
+                                    <p:cond delay="0"/>
+                                  </p:stCondLst>
+                                  <p:childTnLst>
+                                    <p:set>
+                                      <p:cBhvr>
+                                        <p:cTn id="33" dur="1" fill="hold">
+                                          <p:stCondLst>
+                                            <p:cond delay="0"/>
+                                          </p:stCondLst>
+                                        </p:cTn>
+                                        <p:tgtEl>
+                                          <p:spTgt spid="2"/>
+                                        </p:tgtEl>
+                                        <p:attrNameLst>
+                                          <p:attrName>style.visibility</p:attrName>
+                                        </p:attrNameLst>
+                                      </p:cBhvr>
+                                      <p:to>
+                                        <p:strVal val="visible"/>
+                                      </p:to>
+                                    </p:set>
+                                    <p:animEffect transition="in" filter="fade">
+                                      <p:cBhvr>
+                                        <p:cTn id="34" dur="500"/>
+                                        <p:tgtEl>
+                                          <p:spTgt spid="2"/>
+                                        </p:tgtEl>
+                                      </p:cBhvr>
+                                    </p:animEffect>
+                                  </p:childTnLst>
+                                </p:cTn>
+                              </p:par>
                             </p:childTnLst>
                           </p:cTn>
                         </p:par>
@@ -13843,6 +14520,8 @@
       <p:bldP spid="21" grpId="0" build="p"/>
       <p:bldP spid="24" grpId="0" animBg="1"/>
       <p:bldP spid="25" grpId="0" animBg="1"/>
+      <p:bldP spid="2" grpId="0"/>
+      <p:bldP spid="9" grpId="0"/>
     </p:bldLst>
   </p:timing>
 </p:sld>
